--- a/webrestproposal.pptx
+++ b/webrestproposal.pptx
@@ -4989,29 +4989,62 @@
         </p:nvSpPr>
         <p:spPr/>
         <p:txBody>
+          <a:bodyPr>
+            <a:normAutofit fontScale="90000"/>
+          </a:bodyPr>
+          <a:lstStyle/>
+          <a:p>
+            <a:r>
+              <a:rPr lang="en-US" dirty="0" err="1" smtClean="0"/>
+              <a:t>WebHDFS</a:t>
+            </a:r>
+            <a:r>
+              <a:rPr lang="en-US" dirty="0" smtClean="0"/>
+              <a:t>: beyond the </a:t>
+            </a:r>
+            <a:r>
+              <a:rPr lang="en-US" smtClean="0"/>
+              <a:t>Namenode</a:t>
+            </a:r>
+            <a:endParaRPr lang="en-US" dirty="0"/>
+          </a:p>
+        </p:txBody>
+      </p:sp>
+      <p:sp>
+        <p:nvSpPr>
+          <p:cNvPr id="3" name="Subtitle 2"/>
+          <p:cNvSpPr>
+            <a:spLocks noGrp="1"/>
+          </p:cNvSpPr>
+          <p:nvPr>
+            <p:ph type="subTitle" idx="1"/>
+          </p:nvPr>
+        </p:nvSpPr>
+        <p:spPr/>
+        <p:txBody>
           <a:bodyPr/>
           <a:lstStyle/>
           <a:p>
+            <a:r>
+              <a:rPr lang="en-US" dirty="0" smtClean="0"/>
+              <a:t>Extending </a:t>
+            </a:r>
+            <a:r>
+              <a:rPr lang="en-US" dirty="0" err="1" smtClean="0"/>
+              <a:t>WebHDFS</a:t>
+            </a:r>
+            <a:r>
+              <a:rPr lang="en-US" dirty="0" smtClean="0"/>
+              <a:t> for easy use </a:t>
+            </a:r>
+            <a:br>
+              <a:rPr lang="en-US" dirty="0" smtClean="0"/>
+            </a:br>
+            <a:r>
+              <a:rPr lang="en-US" dirty="0" smtClean="0"/>
+              <a:t>by backend stores other than HDFS</a:t>
+            </a:r>
             <a:endParaRPr lang="en-US" dirty="0"/>
-          </a:p>
-        </p:txBody>
-      </p:sp>
-      <p:sp>
-        <p:nvSpPr>
-          <p:cNvPr id="3" name="Subtitle 2"/>
-          <p:cNvSpPr>
-            <a:spLocks noGrp="1"/>
-          </p:cNvSpPr>
-          <p:nvPr>
-            <p:ph type="subTitle" idx="1"/>
-          </p:nvPr>
-        </p:nvSpPr>
-        <p:spPr/>
-        <p:txBody>
-          <a:bodyPr/>
-          <a:lstStyle/>
-          <a:p>
-            <a:endParaRPr lang="en-US"/>
           </a:p>
         </p:txBody>
       </p:sp>

--- a/webrestproposal.pptx
+++ b/webrestproposal.pptx
@@ -14,9 +14,10 @@
     <p:sldId id="262" r:id="rId8"/>
     <p:sldId id="263" r:id="rId9"/>
     <p:sldId id="264" r:id="rId10"/>
-    <p:sldId id="265" r:id="rId11"/>
-    <p:sldId id="266" r:id="rId12"/>
-    <p:sldId id="267" r:id="rId13"/>
+    <p:sldId id="268" r:id="rId11"/>
+    <p:sldId id="265" r:id="rId12"/>
+    <p:sldId id="266" r:id="rId13"/>
+    <p:sldId id="267" r:id="rId14"/>
   </p:sldIdLst>
   <p:sldSz cx="9144000" cy="6858000" type="screen4x3"/>
   <p:notesSz cx="6858000" cy="9144000"/>
@@ -337,7 +338,7 @@
           <a:p>
             <a:fld id="{FC1F072B-B230-0A46-A867-69F79A2633F9}" type="datetimeFigureOut">
               <a:rPr lang="en-US" smtClean="0"/>
-              <a:t>10/9/14</a:t>
+              <a:t>10/10/14</a:t>
             </a:fld>
             <a:endParaRPr lang="en-US"/>
           </a:p>
@@ -658,7 +659,7 @@
           <a:p>
             <a:fld id="{FC1F072B-B230-0A46-A867-69F79A2633F9}" type="datetimeFigureOut">
               <a:rPr lang="en-US" smtClean="0"/>
-              <a:t>10/9/14</a:t>
+              <a:t>10/10/14</a:t>
             </a:fld>
             <a:endParaRPr lang="en-US"/>
           </a:p>
@@ -935,7 +936,7 @@
           <a:p>
             <a:fld id="{FC1F072B-B230-0A46-A867-69F79A2633F9}" type="datetimeFigureOut">
               <a:rPr lang="en-US" smtClean="0"/>
-              <a:t>10/9/14</a:t>
+              <a:t>10/10/14</a:t>
             </a:fld>
             <a:endParaRPr lang="en-US"/>
           </a:p>
@@ -1229,7 +1230,7 @@
           <a:p>
             <a:fld id="{FC1F072B-B230-0A46-A867-69F79A2633F9}" type="datetimeFigureOut">
               <a:rPr lang="en-US" smtClean="0"/>
-              <a:t>10/9/14</a:t>
+              <a:t>10/10/14</a:t>
             </a:fld>
             <a:endParaRPr lang="en-US"/>
           </a:p>
@@ -1558,7 +1559,7 @@
           <a:p>
             <a:fld id="{FC1F072B-B230-0A46-A867-69F79A2633F9}" type="datetimeFigureOut">
               <a:rPr lang="en-US" smtClean="0"/>
-              <a:t>10/9/14</a:t>
+              <a:t>10/10/14</a:t>
             </a:fld>
             <a:endParaRPr lang="en-US"/>
           </a:p>
@@ -1809,7 +1810,7 @@
           <a:p>
             <a:fld id="{FC1F072B-B230-0A46-A867-69F79A2633F9}" type="datetimeFigureOut">
               <a:rPr lang="en-US" smtClean="0"/>
-              <a:t>10/9/14</a:t>
+              <a:t>10/10/14</a:t>
             </a:fld>
             <a:endParaRPr lang="en-US"/>
           </a:p>
@@ -1988,7 +1989,7 @@
           <a:p>
             <a:fld id="{FC1F072B-B230-0A46-A867-69F79A2633F9}" type="datetimeFigureOut">
               <a:rPr lang="en-US" smtClean="0"/>
-              <a:t>10/9/14</a:t>
+              <a:t>10/10/14</a:t>
             </a:fld>
             <a:endParaRPr lang="en-US"/>
           </a:p>
@@ -2157,7 +2158,7 @@
           <a:p>
             <a:fld id="{FC1F072B-B230-0A46-A867-69F79A2633F9}" type="datetimeFigureOut">
               <a:rPr lang="en-US" smtClean="0"/>
-              <a:t>10/9/14</a:t>
+              <a:t>10/10/14</a:t>
             </a:fld>
             <a:endParaRPr lang="en-US"/>
           </a:p>
@@ -2426,7 +2427,7 @@
           <a:p>
             <a:fld id="{FC1F072B-B230-0A46-A867-69F79A2633F9}" type="datetimeFigureOut">
               <a:rPr lang="en-US" smtClean="0"/>
-              <a:t>10/9/14</a:t>
+              <a:t>10/10/14</a:t>
             </a:fld>
             <a:endParaRPr lang="en-US"/>
           </a:p>
@@ -2733,7 +2734,7 @@
           <a:p>
             <a:fld id="{FC1F072B-B230-0A46-A867-69F79A2633F9}" type="datetimeFigureOut">
               <a:rPr lang="en-US" smtClean="0"/>
-              <a:t>10/9/14</a:t>
+              <a:t>10/10/14</a:t>
             </a:fld>
             <a:endParaRPr lang="en-US"/>
           </a:p>
@@ -3025,7 +3026,7 @@
           <a:p>
             <a:fld id="{FC1F072B-B230-0A46-A867-69F79A2633F9}" type="datetimeFigureOut">
               <a:rPr lang="en-US" smtClean="0"/>
-              <a:t>10/9/14</a:t>
+              <a:t>10/10/14</a:t>
             </a:fld>
             <a:endParaRPr lang="en-US"/>
           </a:p>
@@ -3455,7 +3456,7 @@
           <a:p>
             <a:fld id="{FC1F072B-B230-0A46-A867-69F79A2633F9}" type="datetimeFigureOut">
               <a:rPr lang="en-US" smtClean="0"/>
-              <a:t>10/9/14</a:t>
+              <a:t>10/10/14</a:t>
             </a:fld>
             <a:endParaRPr lang="en-US"/>
           </a:p>
@@ -3801,7 +3802,7 @@
           <a:p>
             <a:fld id="{FC1F072B-B230-0A46-A867-69F79A2633F9}" type="datetimeFigureOut">
               <a:rPr lang="en-US" smtClean="0"/>
-              <a:t>10/9/14</a:t>
+              <a:t>10/10/14</a:t>
             </a:fld>
             <a:endParaRPr lang="en-US"/>
           </a:p>
@@ -3891,7 +3892,7 @@
           <a:p>
             <a:fld id="{FC1F072B-B230-0A46-A867-69F79A2633F9}" type="datetimeFigureOut">
               <a:rPr lang="en-US" smtClean="0"/>
-              <a:t>10/9/14</a:t>
+              <a:t>10/10/14</a:t>
             </a:fld>
             <a:endParaRPr lang="en-US"/>
           </a:p>
@@ -4228,7 +4229,7 @@
           <a:p>
             <a:fld id="{FC1F072B-B230-0A46-A867-69F79A2633F9}" type="datetimeFigureOut">
               <a:rPr lang="en-US" smtClean="0"/>
-              <a:t>10/9/14</a:t>
+              <a:t>10/10/14</a:t>
             </a:fld>
             <a:endParaRPr lang="en-US"/>
           </a:p>
@@ -4441,7 +4442,7 @@
           <a:p>
             <a:fld id="{FC1F072B-B230-0A46-A867-69F79A2633F9}" type="datetimeFigureOut">
               <a:rPr lang="en-US" smtClean="0"/>
-              <a:t>10/9/14</a:t>
+              <a:t>10/10/14</a:t>
             </a:fld>
             <a:endParaRPr lang="en-US"/>
           </a:p>
@@ -5095,7 +5096,7 @@
           <a:p>
             <a:r>
               <a:rPr lang="en-US" dirty="0" smtClean="0"/>
-              <a:t>Not deeply considered yet</a:t>
+              <a:t>Powerful proxy solution</a:t>
             </a:r>
             <a:endParaRPr lang="en-US" dirty="0"/>
           </a:p>
@@ -5118,47 +5119,50 @@
           <a:p>
             <a:r>
               <a:rPr lang="en-US" dirty="0" smtClean="0"/>
-              <a:t>Security</a:t>
+              <a:t>Easy to write proxies between different </a:t>
+            </a:r>
+            <a:r>
+              <a:rPr lang="en-US" dirty="0" err="1" smtClean="0"/>
+              <a:t>backends</a:t>
+            </a:r>
+            <a:r>
+              <a:rPr lang="en-US" dirty="0" smtClean="0"/>
+              <a:t>:</a:t>
             </a:r>
           </a:p>
           <a:p>
             <a:pPr lvl="1"/>
             <a:r>
+              <a:rPr lang="en-US" dirty="0" smtClean="0"/>
+              <a:t>Rewrite paths</a:t>
+            </a:r>
+          </a:p>
+          <a:p>
+            <a:pPr lvl="1"/>
+            <a:r>
+              <a:rPr lang="en-US" dirty="0" smtClean="0"/>
+              <a:t>Cache files</a:t>
+            </a:r>
+          </a:p>
+          <a:p>
+            <a:pPr lvl="1"/>
+            <a:r>
+              <a:rPr lang="en-US" dirty="0" smtClean="0"/>
+              <a:t>Provide locality routing</a:t>
+            </a:r>
+          </a:p>
+          <a:p>
+            <a:r>
+              <a:rPr lang="en-US" dirty="0" smtClean="0"/>
+              <a:t>Can subsume current </a:t>
+            </a:r>
+            <a:r>
               <a:rPr lang="en-US" dirty="0" err="1" smtClean="0"/>
-              <a:t>Hadoop’s</a:t>
+              <a:t>HttpFs</a:t>
             </a:r>
             <a:r>
               <a:rPr lang="en-US" dirty="0" smtClean="0"/>
-              <a:t> </a:t>
-            </a:r>
-            <a:r>
-              <a:rPr lang="en-US" dirty="0" err="1" smtClean="0"/>
-              <a:t>UserGroupInformation</a:t>
-            </a:r>
-            <a:r>
-              <a:rPr lang="en-US" dirty="0" smtClean="0"/>
-              <a:t> is very ingrained in code</a:t>
-            </a:r>
-          </a:p>
-          <a:p>
-            <a:r>
-              <a:rPr lang="en-US" dirty="0" smtClean="0"/>
-              <a:t>Performance</a:t>
-            </a:r>
-          </a:p>
-          <a:p>
-            <a:pPr lvl="1"/>
-            <a:r>
-              <a:rPr lang="en-US" dirty="0" smtClean="0"/>
-              <a:t>HTTP is well understood and </a:t>
-            </a:r>
-            <a:r>
-              <a:rPr lang="en-US" dirty="0" err="1" smtClean="0"/>
-              <a:t>performant</a:t>
-            </a:r>
-            <a:r>
-              <a:rPr lang="en-US" dirty="0" smtClean="0"/>
-              <a:t> transport, but it may require work to get best throughput</a:t>
+              <a:t> functionality</a:t>
             </a:r>
             <a:endParaRPr lang="en-US" dirty="0"/>
           </a:p>
@@ -5167,7 +5171,7 @@
     </p:spTree>
     <p:extLst>
       <p:ext uri="{BB962C8B-B14F-4D97-AF65-F5344CB8AC3E}">
-        <p14:creationId xmlns:p14="http://schemas.microsoft.com/office/powerpoint/2010/main" val="2002707109"/>
+        <p14:creationId xmlns:p14="http://schemas.microsoft.com/office/powerpoint/2010/main" val="4148395294"/>
       </p:ext>
     </p:extLst>
   </p:cSld>
@@ -5211,7 +5215,7 @@
           <a:p>
             <a:r>
               <a:rPr lang="en-US" dirty="0" smtClean="0"/>
-              <a:t>Alternatives</a:t>
+              <a:t>Not deeply considered yet</a:t>
             </a:r>
             <a:endParaRPr lang="en-US" dirty="0"/>
           </a:p>
@@ -5219,7 +5223,7 @@
       </p:sp>
       <p:sp>
         <p:nvSpPr>
-          <p:cNvPr id="3" name="Content Placeholder 2"/>
+          <p:cNvPr id="5" name="Content Placeholder 4"/>
           <p:cNvSpPr>
             <a:spLocks noGrp="1"/>
           </p:cNvSpPr>
@@ -5234,6 +5238,122 @@
           <a:p>
             <a:r>
               <a:rPr lang="en-US" dirty="0" smtClean="0"/>
+              <a:t>Security</a:t>
+            </a:r>
+          </a:p>
+          <a:p>
+            <a:pPr lvl="1"/>
+            <a:r>
+              <a:rPr lang="en-US" dirty="0" err="1" smtClean="0"/>
+              <a:t>Hadoop’s</a:t>
+            </a:r>
+            <a:r>
+              <a:rPr lang="en-US" dirty="0" smtClean="0"/>
+              <a:t> </a:t>
+            </a:r>
+            <a:r>
+              <a:rPr lang="en-US" dirty="0" err="1" smtClean="0"/>
+              <a:t>UserGroupInformation</a:t>
+            </a:r>
+            <a:r>
+              <a:rPr lang="en-US" dirty="0" smtClean="0"/>
+              <a:t> is very ingrained in code</a:t>
+            </a:r>
+          </a:p>
+          <a:p>
+            <a:r>
+              <a:rPr lang="en-US" dirty="0" smtClean="0"/>
+              <a:t>Performance</a:t>
+            </a:r>
+          </a:p>
+          <a:p>
+            <a:pPr lvl="1"/>
+            <a:r>
+              <a:rPr lang="en-US" dirty="0" smtClean="0"/>
+              <a:t>HTTP is well understood and </a:t>
+            </a:r>
+            <a:r>
+              <a:rPr lang="en-US" dirty="0" err="1" smtClean="0"/>
+              <a:t>performant</a:t>
+            </a:r>
+            <a:r>
+              <a:rPr lang="en-US" dirty="0" smtClean="0"/>
+              <a:t> transport, but it may require work to get best throughput</a:t>
+            </a:r>
+            <a:endParaRPr lang="en-US" dirty="0"/>
+          </a:p>
+        </p:txBody>
+      </p:sp>
+    </p:spTree>
+    <p:extLst>
+      <p:ext uri="{BB962C8B-B14F-4D97-AF65-F5344CB8AC3E}">
+        <p14:creationId xmlns:p14="http://schemas.microsoft.com/office/powerpoint/2010/main" val="2002707109"/>
+      </p:ext>
+    </p:extLst>
+  </p:cSld>
+  <p:clrMapOvr>
+    <a:masterClrMapping/>
+  </p:clrMapOvr>
+</p:sld>
+</file>
+
+<file path=ppt/slides/slide12.xml><?xml version="1.0" encoding="utf-8"?>
+<p:sld xmlns:a="http://schemas.openxmlformats.org/drawingml/2006/main" xmlns:r="http://schemas.openxmlformats.org/officeDocument/2006/relationships" xmlns:p="http://schemas.openxmlformats.org/presentationml/2006/main">
+  <p:cSld>
+    <p:spTree>
+      <p:nvGrpSpPr>
+        <p:cNvPr id="1" name=""/>
+        <p:cNvGrpSpPr/>
+        <p:nvPr/>
+      </p:nvGrpSpPr>
+      <p:grpSpPr>
+        <a:xfrm>
+          <a:off x="0" y="0"/>
+          <a:ext cx="0" cy="0"/>
+          <a:chOff x="0" y="0"/>
+          <a:chExt cx="0" cy="0"/>
+        </a:xfrm>
+      </p:grpSpPr>
+      <p:sp>
+        <p:nvSpPr>
+          <p:cNvPr id="2" name="Title 1"/>
+          <p:cNvSpPr>
+            <a:spLocks noGrp="1"/>
+          </p:cNvSpPr>
+          <p:nvPr>
+            <p:ph type="title"/>
+          </p:nvPr>
+        </p:nvSpPr>
+        <p:spPr/>
+        <p:txBody>
+          <a:bodyPr/>
+          <a:lstStyle/>
+          <a:p>
+            <a:r>
+              <a:rPr lang="en-US" dirty="0" smtClean="0"/>
+              <a:t>Alternatives</a:t>
+            </a:r>
+            <a:endParaRPr lang="en-US" dirty="0"/>
+          </a:p>
+        </p:txBody>
+      </p:sp>
+      <p:sp>
+        <p:nvSpPr>
+          <p:cNvPr id="3" name="Content Placeholder 2"/>
+          <p:cNvSpPr>
+            <a:spLocks noGrp="1"/>
+          </p:cNvSpPr>
+          <p:nvPr>
+            <p:ph idx="1"/>
+          </p:nvPr>
+        </p:nvSpPr>
+        <p:spPr/>
+        <p:txBody>
+          <a:bodyPr/>
+          <a:lstStyle/>
+          <a:p>
+            <a:r>
+              <a:rPr lang="en-US" dirty="0" smtClean="0"/>
               <a:t>Just code against </a:t>
             </a:r>
             <a:r>
@@ -5262,8 +5382,47 @@
             <a:pPr lvl="1"/>
             <a:r>
               <a:rPr lang="en-US" dirty="0" smtClean="0"/>
-              <a:t>Con: PB not as widely adopted as REST</a:t>
-            </a:r>
+              <a:t>Con: PB not as widely adopted as </a:t>
+            </a:r>
+            <a:r>
+              <a:rPr lang="en-US" dirty="0" smtClean="0"/>
+              <a:t>REST</a:t>
+            </a:r>
+          </a:p>
+          <a:p>
+            <a:r>
+              <a:rPr lang="en-US" dirty="0" err="1" smtClean="0"/>
+              <a:t>HttpFs</a:t>
+            </a:r>
+            <a:endParaRPr lang="en-US" dirty="0" smtClean="0"/>
+          </a:p>
+          <a:p>
+            <a:pPr lvl="1"/>
+            <a:r>
+              <a:rPr lang="en-US" dirty="0" smtClean="0"/>
+              <a:t>This approach is more powerful than </a:t>
+            </a:r>
+            <a:r>
+              <a:rPr lang="en-US" dirty="0" err="1" smtClean="0"/>
+              <a:t>HttpFs</a:t>
+            </a:r>
+            <a:r>
+              <a:rPr lang="en-US" dirty="0" smtClean="0"/>
+              <a:t>, is how </a:t>
+            </a:r>
+            <a:r>
+              <a:rPr lang="en-US" dirty="0" err="1" smtClean="0"/>
+              <a:t>HttpFs</a:t>
+            </a:r>
+            <a:r>
+              <a:rPr lang="en-US" dirty="0" smtClean="0"/>
+              <a:t> should have </a:t>
+            </a:r>
+            <a:r>
+              <a:rPr lang="en-US" smtClean="0"/>
+              <a:t>been implemented</a:t>
+            </a:r>
+            <a:endParaRPr lang="en-US" dirty="0" smtClean="0"/>
           </a:p>
           <a:p>
             <a:endParaRPr lang="en-US" dirty="0"/>
@@ -5283,7 +5442,7 @@
 </p:sld>
 </file>
 
-<file path=ppt/slides/slide12.xml><?xml version="1.0" encoding="utf-8"?>
+<file path=ppt/slides/slide13.xml><?xml version="1.0" encoding="utf-8"?>
 <p:sld xmlns:a="http://schemas.openxmlformats.org/drawingml/2006/main" xmlns:r="http://schemas.openxmlformats.org/officeDocument/2006/relationships" xmlns:p="http://schemas.openxmlformats.org/presentationml/2006/main">
   <p:cSld>
     <p:spTree>
@@ -7753,21 +7912,11 @@
           <a:p>
             <a:r>
               <a:rPr lang="en-US" dirty="0" smtClean="0"/>
-              <a:t>Easy to proxy connections to rewrite, filter, </a:t>
-            </a:r>
-            <a:r>
-              <a:rPr lang="en-US" dirty="0" err="1" smtClean="0"/>
-              <a:t>etc</a:t>
+              <a:t>Guaranteed</a:t>
             </a:r>
             <a:r>
               <a:rPr lang="en-US" dirty="0" smtClean="0"/>
-              <a:t> access</a:t>
-            </a:r>
-          </a:p>
-          <a:p>
-            <a:r>
-              <a:rPr lang="en-US" dirty="0" smtClean="0"/>
-              <a:t>Guaranteed, provable compatibility with </a:t>
+              <a:t>, provable compatibility with </a:t>
             </a:r>
             <a:r>
               <a:rPr lang="en-US" dirty="0" err="1" smtClean="0"/>
